--- a/Documentation/User Guide/Quantum Installation Guide 1.0.pptx
+++ b/Documentation/User Guide/Quantum Installation Guide 1.0.pptx
@@ -292,7 +292,7 @@
             <a:fld id="{47A81F88-1A84-4708-B983-BBA1C9AC2553}" type="datetimeFigureOut">
               <a:rPr lang="en-US" smtClean="0"/>
               <a:pPr/>
-              <a:t>4/13/2012</a:t>
+              <a:t>9/16/2012</a:t>
             </a:fld>
             <a:endParaRPr lang="en-US"/>
           </a:p>
@@ -459,7 +459,7 @@
             <a:fld id="{47A81F88-1A84-4708-B983-BBA1C9AC2553}" type="datetimeFigureOut">
               <a:rPr lang="en-US" smtClean="0"/>
               <a:pPr/>
-              <a:t>4/13/2012</a:t>
+              <a:t>9/16/2012</a:t>
             </a:fld>
             <a:endParaRPr lang="en-US"/>
           </a:p>
@@ -636,7 +636,7 @@
             <a:fld id="{47A81F88-1A84-4708-B983-BBA1C9AC2553}" type="datetimeFigureOut">
               <a:rPr lang="en-US" smtClean="0"/>
               <a:pPr/>
-              <a:t>4/13/2012</a:t>
+              <a:t>9/16/2012</a:t>
             </a:fld>
             <a:endParaRPr lang="en-US"/>
           </a:p>
@@ -803,7 +803,7 @@
             <a:fld id="{47A81F88-1A84-4708-B983-BBA1C9AC2553}" type="datetimeFigureOut">
               <a:rPr lang="en-US" smtClean="0"/>
               <a:pPr/>
-              <a:t>4/13/2012</a:t>
+              <a:t>9/16/2012</a:t>
             </a:fld>
             <a:endParaRPr lang="en-US"/>
           </a:p>
@@ -1047,7 +1047,7 @@
             <a:fld id="{47A81F88-1A84-4708-B983-BBA1C9AC2553}" type="datetimeFigureOut">
               <a:rPr lang="en-US" smtClean="0"/>
               <a:pPr/>
-              <a:t>4/13/2012</a:t>
+              <a:t>9/16/2012</a:t>
             </a:fld>
             <a:endParaRPr lang="en-US"/>
           </a:p>
@@ -1313,7 +1313,7 @@
             <a:fld id="{47A81F88-1A84-4708-B983-BBA1C9AC2553}" type="datetimeFigureOut">
               <a:rPr lang="en-US" smtClean="0"/>
               <a:pPr/>
-              <a:t>4/13/2012</a:t>
+              <a:t>9/16/2012</a:t>
             </a:fld>
             <a:endParaRPr lang="en-US"/>
           </a:p>
@@ -1693,7 +1693,7 @@
             <a:fld id="{47A81F88-1A84-4708-B983-BBA1C9AC2553}" type="datetimeFigureOut">
               <a:rPr lang="en-US" smtClean="0"/>
               <a:pPr/>
-              <a:t>4/13/2012</a:t>
+              <a:t>9/16/2012</a:t>
             </a:fld>
             <a:endParaRPr lang="en-US"/>
           </a:p>
@@ -1845,7 +1845,7 @@
             <a:fld id="{47A81F88-1A84-4708-B983-BBA1C9AC2553}" type="datetimeFigureOut">
               <a:rPr lang="en-US" smtClean="0"/>
               <a:pPr/>
-              <a:t>4/13/2012</a:t>
+              <a:t>9/16/2012</a:t>
             </a:fld>
             <a:endParaRPr lang="en-US"/>
           </a:p>
@@ -1937,7 +1937,7 @@
             <a:fld id="{47A81F88-1A84-4708-B983-BBA1C9AC2553}" type="datetimeFigureOut">
               <a:rPr lang="en-US" smtClean="0"/>
               <a:pPr/>
-              <a:t>4/13/2012</a:t>
+              <a:t>9/16/2012</a:t>
             </a:fld>
             <a:endParaRPr lang="en-US"/>
           </a:p>
@@ -2200,7 +2200,7 @@
             <a:fld id="{47A81F88-1A84-4708-B983-BBA1C9AC2553}" type="datetimeFigureOut">
               <a:rPr lang="en-US" smtClean="0"/>
               <a:pPr/>
-              <a:t>4/13/2012</a:t>
+              <a:t>9/16/2012</a:t>
             </a:fld>
             <a:endParaRPr lang="en-US"/>
           </a:p>
@@ -2490,7 +2490,7 @@
             <a:fld id="{47A81F88-1A84-4708-B983-BBA1C9AC2553}" type="datetimeFigureOut">
               <a:rPr lang="en-US" smtClean="0"/>
               <a:pPr/>
-              <a:t>4/13/2012</a:t>
+              <a:t>9/16/2012</a:t>
             </a:fld>
             <a:endParaRPr lang="en-US"/>
           </a:p>
@@ -3263,7 +3263,7 @@
             <a:fld id="{47A81F88-1A84-4708-B983-BBA1C9AC2553}" type="datetimeFigureOut">
               <a:rPr lang="en-US" smtClean="0"/>
               <a:pPr/>
-              <a:t>4/13/2012</a:t>
+              <a:t>9/16/2012</a:t>
             </a:fld>
             <a:endParaRPr lang="en-US"/>
           </a:p>
@@ -3905,8 +3905,16 @@
           <a:lstStyle/>
           <a:p>
             <a:r>
+              <a:rPr lang="en-US" smtClean="0"/>
+              <a:t>Quantum </a:t>
+            </a:r>
+            <a:r>
+              <a:rPr lang="en-US" smtClean="0"/>
+              <a:t>Professional</a:t>
+            </a:r>
+            <a:r>
               <a:rPr lang="en-US" dirty="0" smtClean="0"/>
-              <a:t>Quantum Standard version</a:t>
+              <a:t/>
             </a:r>
             <a:br>
               <a:rPr lang="en-US" dirty="0" smtClean="0"/>
@@ -4236,11 +4244,7 @@
           <a:p>
             <a:r>
               <a:rPr lang="en-US" dirty="0" smtClean="0"/>
-              <a:t>Download </a:t>
-            </a:r>
-            <a:r>
-              <a:rPr lang="en-US" dirty="0" smtClean="0"/>
-              <a:t>Page: www.q-invest.net</a:t>
+              <a:t>Download Page: www.q-invest.net</a:t>
             </a:r>
             <a:endParaRPr lang="en-US" dirty="0"/>
           </a:p>
@@ -4727,15 +4731,7 @@
           <a:p>
             <a:r>
               <a:rPr lang="en-US" dirty="0" smtClean="0"/>
-              <a:t>Step 5: </a:t>
-            </a:r>
-            <a:r>
-              <a:rPr lang="en-US" dirty="0" smtClean="0"/>
-              <a:t>W</a:t>
-            </a:r>
-            <a:r>
-              <a:rPr lang="en-US" dirty="0" smtClean="0"/>
-              <a:t>ait for installation</a:t>
+              <a:t>Step 5: Wait for installation</a:t>
             </a:r>
             <a:endParaRPr lang="en-US" dirty="0"/>
           </a:p>
